--- a/発表資料/Pythonではじめる教師なし学習/Pythonではじめる教師なし学習第8章Part1 .pptx
+++ b/発表資料/Pythonではじめる教師なし学習/Pythonではじめる教師なし学習第8章Part1 .pptx
@@ -137,7 +137,7 @@
 <file path=ppt/revisionInfo.xml><?xml version="1.0" encoding="utf-8"?>
 <p1510:revInfo xmlns:a="http://schemas.openxmlformats.org/drawingml/2006/main" xmlns:r="http://schemas.openxmlformats.org/officeDocument/2006/relationships" xmlns:p1510="http://schemas.microsoft.com/office/powerpoint/2015/10/main">
   <p1510:revLst>
-    <p1510:client id="{44D3BE25-6B14-489C-8991-1A27464A139E}" v="1451" dt="2020-07-24T19:09:18.039"/>
+    <p1510:client id="{44D3BE25-6B14-489C-8991-1A27464A139E}" v="1453" dt="2020-08-01T19:24:38.272"/>
   </p1510:revLst>
 </p1510:revInfo>
 </file>
@@ -931,7 +931,7 @@
   <pc:docChgLst>
     <pc:chgData name="Masaya Yamaguchi" userId="8869a66585b793a1" providerId="LiveId" clId="{44D3BE25-6B14-489C-8991-1A27464A139E}"/>
     <pc:docChg chg="undo custSel addSld delSld modSld">
-      <pc:chgData name="Masaya Yamaguchi" userId="8869a66585b793a1" providerId="LiveId" clId="{44D3BE25-6B14-489C-8991-1A27464A139E}" dt="2020-07-24T19:10:30.532" v="3630" actId="1076"/>
+      <pc:chgData name="Masaya Yamaguchi" userId="8869a66585b793a1" providerId="LiveId" clId="{44D3BE25-6B14-489C-8991-1A27464A139E}" dt="2020-08-01T19:26:51.168" v="3764" actId="20577"/>
       <pc:docMkLst>
         <pc:docMk/>
       </pc:docMkLst>
@@ -1853,14 +1853,14 @@
           </ac:picMkLst>
         </pc:picChg>
       </pc:sldChg>
-      <pc:sldChg chg="delSp modSp add">
-        <pc:chgData name="Masaya Yamaguchi" userId="8869a66585b793a1" providerId="LiveId" clId="{44D3BE25-6B14-489C-8991-1A27464A139E}" dt="2020-07-24T18:38:27.734" v="2558"/>
+      <pc:sldChg chg="addSp delSp modSp add">
+        <pc:chgData name="Masaya Yamaguchi" userId="8869a66585b793a1" providerId="LiveId" clId="{44D3BE25-6B14-489C-8991-1A27464A139E}" dt="2020-08-01T19:26:51.168" v="3764" actId="20577"/>
         <pc:sldMkLst>
           <pc:docMk/>
           <pc:sldMk cId="1512448022" sldId="264"/>
         </pc:sldMkLst>
         <pc:spChg chg="mod">
-          <ac:chgData name="Masaya Yamaguchi" userId="8869a66585b793a1" providerId="LiveId" clId="{44D3BE25-6B14-489C-8991-1A27464A139E}" dt="2020-07-24T18:38:21.956" v="2557" actId="20577"/>
+          <ac:chgData name="Masaya Yamaguchi" userId="8869a66585b793a1" providerId="LiveId" clId="{44D3BE25-6B14-489C-8991-1A27464A139E}" dt="2020-08-01T19:26:51.168" v="3764" actId="20577"/>
           <ac:spMkLst>
             <pc:docMk/>
             <pc:sldMk cId="1512448022" sldId="264"/>
@@ -1883,6 +1883,22 @@
             <ac:spMk id="8" creationId="{7DE35785-B60E-4E6E-8183-308A35A30A38}"/>
           </ac:spMkLst>
         </pc:spChg>
+        <pc:picChg chg="add mod">
+          <ac:chgData name="Masaya Yamaguchi" userId="8869a66585b793a1" providerId="LiveId" clId="{44D3BE25-6B14-489C-8991-1A27464A139E}" dt="2020-08-01T19:25:34.774" v="3734" actId="1076"/>
+          <ac:picMkLst>
+            <pc:docMk/>
+            <pc:sldMk cId="1512448022" sldId="264"/>
+            <ac:picMk id="4" creationId="{85444DE7-EAF0-41D0-ACF7-C92647C686FB}"/>
+          </ac:picMkLst>
+        </pc:picChg>
+        <pc:picChg chg="add mod">
+          <ac:chgData name="Masaya Yamaguchi" userId="8869a66585b793a1" providerId="LiveId" clId="{44D3BE25-6B14-489C-8991-1A27464A139E}" dt="2020-08-01T19:25:37.723" v="3735" actId="1076"/>
+          <ac:picMkLst>
+            <pc:docMk/>
+            <pc:sldMk cId="1512448022" sldId="264"/>
+            <ac:picMk id="7" creationId="{2F6A237C-37BF-4BB2-AA84-B6175D85A14C}"/>
+          </ac:picMkLst>
+        </pc:picChg>
         <pc:picChg chg="del">
           <ac:chgData name="Masaya Yamaguchi" userId="8869a66585b793a1" providerId="LiveId" clId="{44D3BE25-6B14-489C-8991-1A27464A139E}" dt="2020-07-24T18:35:44.579" v="2258"/>
           <ac:picMkLst>
@@ -2569,7 +2585,7 @@
           <a:p>
             <a:fld id="{6F410624-7C5E-4564-8988-5D4DC79A743A}" type="datetimeFigureOut">
               <a:rPr kumimoji="1" lang="ja-JP" altLang="en-US" smtClean="0"/>
-              <a:t>2020/7/25</a:t>
+              <a:t>2020/8/2</a:t>
             </a:fld>
             <a:endParaRPr kumimoji="1" lang="ja-JP" altLang="en-US"/>
           </a:p>
@@ -2799,7 +2815,7 @@
           <a:p>
             <a:fld id="{6F410624-7C5E-4564-8988-5D4DC79A743A}" type="datetimeFigureOut">
               <a:rPr kumimoji="1" lang="ja-JP" altLang="en-US" smtClean="0"/>
-              <a:t>2020/7/25</a:t>
+              <a:t>2020/8/2</a:t>
             </a:fld>
             <a:endParaRPr kumimoji="1" lang="ja-JP" altLang="en-US"/>
           </a:p>
@@ -3039,7 +3055,7 @@
           <a:p>
             <a:fld id="{6F410624-7C5E-4564-8988-5D4DC79A743A}" type="datetimeFigureOut">
               <a:rPr kumimoji="1" lang="ja-JP" altLang="en-US" smtClean="0"/>
-              <a:t>2020/7/25</a:t>
+              <a:t>2020/8/2</a:t>
             </a:fld>
             <a:endParaRPr kumimoji="1" lang="ja-JP" altLang="en-US"/>
           </a:p>
@@ -3269,7 +3285,7 @@
           <a:p>
             <a:fld id="{6F410624-7C5E-4564-8988-5D4DC79A743A}" type="datetimeFigureOut">
               <a:rPr kumimoji="1" lang="ja-JP" altLang="en-US" smtClean="0"/>
-              <a:t>2020/7/25</a:t>
+              <a:t>2020/8/2</a:t>
             </a:fld>
             <a:endParaRPr kumimoji="1" lang="ja-JP" altLang="en-US"/>
           </a:p>
@@ -3544,7 +3560,7 @@
           <a:p>
             <a:fld id="{6F410624-7C5E-4564-8988-5D4DC79A743A}" type="datetimeFigureOut">
               <a:rPr kumimoji="1" lang="ja-JP" altLang="en-US" smtClean="0"/>
-              <a:t>2020/7/25</a:t>
+              <a:t>2020/8/2</a:t>
             </a:fld>
             <a:endParaRPr kumimoji="1" lang="ja-JP" altLang="en-US"/>
           </a:p>
@@ -3873,7 +3889,7 @@
           <a:p>
             <a:fld id="{6F410624-7C5E-4564-8988-5D4DC79A743A}" type="datetimeFigureOut">
               <a:rPr kumimoji="1" lang="ja-JP" altLang="en-US" smtClean="0"/>
-              <a:t>2020/7/25</a:t>
+              <a:t>2020/8/2</a:t>
             </a:fld>
             <a:endParaRPr kumimoji="1" lang="ja-JP" altLang="en-US"/>
           </a:p>
@@ -4349,7 +4365,7 @@
           <a:p>
             <a:fld id="{6F410624-7C5E-4564-8988-5D4DC79A743A}" type="datetimeFigureOut">
               <a:rPr kumimoji="1" lang="ja-JP" altLang="en-US" smtClean="0"/>
-              <a:t>2020/7/25</a:t>
+              <a:t>2020/8/2</a:t>
             </a:fld>
             <a:endParaRPr kumimoji="1" lang="ja-JP" altLang="en-US"/>
           </a:p>
@@ -4490,7 +4506,7 @@
           <a:p>
             <a:fld id="{6F410624-7C5E-4564-8988-5D4DC79A743A}" type="datetimeFigureOut">
               <a:rPr kumimoji="1" lang="ja-JP" altLang="en-US" smtClean="0"/>
-              <a:t>2020/7/25</a:t>
+              <a:t>2020/8/2</a:t>
             </a:fld>
             <a:endParaRPr kumimoji="1" lang="ja-JP" altLang="en-US"/>
           </a:p>
@@ -4603,7 +4619,7 @@
           <a:p>
             <a:fld id="{6F410624-7C5E-4564-8988-5D4DC79A743A}" type="datetimeFigureOut">
               <a:rPr kumimoji="1" lang="ja-JP" altLang="en-US" smtClean="0"/>
-              <a:t>2020/7/25</a:t>
+              <a:t>2020/8/2</a:t>
             </a:fld>
             <a:endParaRPr kumimoji="1" lang="ja-JP" altLang="en-US"/>
           </a:p>
@@ -4946,7 +4962,7 @@
           <a:p>
             <a:fld id="{6F410624-7C5E-4564-8988-5D4DC79A743A}" type="datetimeFigureOut">
               <a:rPr kumimoji="1" lang="ja-JP" altLang="en-US" smtClean="0"/>
-              <a:t>2020/7/25</a:t>
+              <a:t>2020/8/2</a:t>
             </a:fld>
             <a:endParaRPr kumimoji="1" lang="ja-JP" altLang="en-US"/>
           </a:p>
@@ -5234,7 +5250,7 @@
           <a:p>
             <a:fld id="{6F410624-7C5E-4564-8988-5D4DC79A743A}" type="datetimeFigureOut">
               <a:rPr kumimoji="1" lang="ja-JP" altLang="en-US" smtClean="0"/>
-              <a:t>2020/7/25</a:t>
+              <a:t>2020/8/2</a:t>
             </a:fld>
             <a:endParaRPr kumimoji="1" lang="ja-JP" altLang="en-US"/>
           </a:p>
@@ -5507,7 +5523,7 @@
           <a:p>
             <a:fld id="{6F410624-7C5E-4564-8988-5D4DC79A743A}" type="datetimeFigureOut">
               <a:rPr kumimoji="1" lang="ja-JP" altLang="en-US" smtClean="0"/>
-              <a:t>2020/7/25</a:t>
+              <a:t>2020/8/2</a:t>
             </a:fld>
             <a:endParaRPr kumimoji="1" lang="ja-JP" altLang="en-US"/>
           </a:p>
@@ -6187,8 +6203,8 @@
           </a:p>
         </p:txBody>
       </p:sp>
-      <mc:AlternateContent xmlns:mc="http://schemas.openxmlformats.org/markup-compatibility/2006">
-        <mc:Choice xmlns:a14="http://schemas.microsoft.com/office/drawing/2010/main" Requires="a14">
+      <mc:AlternateContent xmlns:mc="http://schemas.openxmlformats.org/markup-compatibility/2006" xmlns:a14="http://schemas.microsoft.com/office/drawing/2010/main">
+        <mc:Choice Requires="a14">
           <p:sp>
             <p:nvSpPr>
               <p:cNvPr id="2" name="テキスト ボックス 1">
@@ -6361,7 +6377,7 @@
             </p:txBody>
           </p:sp>
         </mc:Choice>
-        <mc:Fallback>
+        <mc:Fallback xmlns="">
           <p:sp>
             <p:nvSpPr>
               <p:cNvPr id="2" name="テキスト ボックス 1">
@@ -12409,7 +12425,7 @@
             <p:spPr>
               <a:xfrm>
                 <a:off x="1774580" y="1590584"/>
-                <a:ext cx="6730497" cy="1200329"/>
+                <a:ext cx="6730497" cy="2862322"/>
               </a:xfrm>
               <a:prstGeom prst="rect">
                 <a:avLst/>
@@ -12514,6 +12530,68 @@
                   <a:t>.</a:t>
                 </a:r>
               </a:p>
+              <a:p>
+                <a:endParaRPr lang="en-US" altLang="ja-JP" dirty="0"/>
+              </a:p>
+              <a:p>
+                <a:endParaRPr lang="en-US" altLang="ja-JP" dirty="0"/>
+              </a:p>
+              <a:p>
+                <a:endParaRPr lang="en-US" altLang="ja-JP" dirty="0"/>
+              </a:p>
+              <a:p>
+                <a:pPr marL="285750" indent="-285750">
+                  <a:buFont typeface="Arial" panose="020B0604020202020204" pitchFamily="34" charset="0"/>
+                  <a:buChar char="•"/>
+                </a:pPr>
+                <a:r>
+                  <a:rPr lang="en-US" altLang="ja-JP" dirty="0"/>
+                  <a:t>(</a:t>
+                </a:r>
+                <a:r>
+                  <a:rPr lang="ja-JP" altLang="en-US" dirty="0"/>
+                  <a:t>追記 </a:t>
+                </a:r>
+                <a:r>
+                  <a:rPr lang="en-US" altLang="ja-JP" dirty="0"/>
+                  <a:t>2020.08.02) </a:t>
+                </a:r>
+                <a:r>
+                  <a:rPr lang="ja-JP" altLang="en-US" dirty="0"/>
+                  <a:t>エポック数を</a:t>
+                </a:r>
+                <a:r>
+                  <a:rPr lang="en-US" altLang="ja-JP" dirty="0"/>
+                  <a:t>100</a:t>
+                </a:r>
+                <a:r>
+                  <a:rPr lang="ja-JP" altLang="en-US" dirty="0"/>
+                  <a:t>にするとうまくいった</a:t>
+                </a:r>
+                <a:endParaRPr lang="en-US" altLang="ja-JP" dirty="0"/>
+              </a:p>
+              <a:p>
+                <a:pPr marL="285750" indent="-285750">
+                  <a:buFont typeface="Arial" panose="020B0604020202020204" pitchFamily="34" charset="0"/>
+                  <a:buChar char="•"/>
+                </a:pPr>
+                <a:endParaRPr lang="en-US" altLang="ja-JP" dirty="0"/>
+              </a:p>
+              <a:p>
+                <a:pPr marL="285750" indent="-285750">
+                  <a:buFont typeface="Arial" panose="020B0604020202020204" pitchFamily="34" charset="0"/>
+                  <a:buChar char="•"/>
+                </a:pPr>
+                <a:r>
+                  <a:rPr lang="ja-JP" altLang="en-US" dirty="0"/>
+                  <a:t>以下はその時の結果（非常に安定していた</a:t>
+                </a:r>
+                <a:r>
+                  <a:rPr lang="en-US" altLang="ja-JP"/>
+                  <a:t>)</a:t>
+                </a:r>
+                <a:endParaRPr lang="en-US" altLang="ja-JP" dirty="0"/>
+              </a:p>
             </p:txBody>
           </p:sp>
         </mc:Choice>
@@ -12535,7 +12613,7 @@
             <p:spPr>
               <a:xfrm>
                 <a:off x="1774580" y="1590584"/>
-                <a:ext cx="6730497" cy="1200329"/>
+                <a:ext cx="6730497" cy="2862322"/>
               </a:xfrm>
               <a:prstGeom prst="rect">
                 <a:avLst/>
@@ -12543,7 +12621,7 @@
               <a:blipFill>
                 <a:blip r:embed="rId2"/>
                 <a:stretch>
-                  <a:fillRect l="-543" t="-4061" r="-91" b="-7614"/>
+                  <a:fillRect l="-543" t="-1706" r="-91" b="-2772"/>
                 </a:stretch>
               </a:blipFill>
             </p:spPr>
@@ -12562,6 +12640,78 @@
           </p:sp>
         </mc:Fallback>
       </mc:AlternateContent>
+      <p:pic>
+        <p:nvPicPr>
+          <p:cNvPr id="4" name="図 3" descr="抽象, スクリーンショット が含まれている画像&#10;&#10;自動的に生成された説明">
+            <a:extLst>
+              <a:ext uri="{FF2B5EF4-FFF2-40B4-BE49-F238E27FC236}">
+                <a16:creationId xmlns:a16="http://schemas.microsoft.com/office/drawing/2014/main" id="{85444DE7-EAF0-41D0-ACF7-C92647C686FB}"/>
+              </a:ext>
+            </a:extLst>
+          </p:cNvPr>
+          <p:cNvPicPr>
+            <a:picLocks noChangeAspect="1"/>
+          </p:cNvPicPr>
+          <p:nvPr/>
+        </p:nvPicPr>
+        <p:blipFill>
+          <a:blip r:embed="rId3">
+            <a:extLst>
+              <a:ext uri="{28A0092B-C50C-407E-A947-70E740481C1C}">
+                <a14:useLocalDpi xmlns:a14="http://schemas.microsoft.com/office/drawing/2010/main" val="0"/>
+              </a:ext>
+            </a:extLst>
+          </a:blip>
+          <a:stretch>
+            <a:fillRect/>
+          </a:stretch>
+        </p:blipFill>
+        <p:spPr>
+          <a:xfrm>
+            <a:off x="3171817" y="4563611"/>
+            <a:ext cx="2924183" cy="2193137"/>
+          </a:xfrm>
+          <a:prstGeom prst="rect">
+            <a:avLst/>
+          </a:prstGeom>
+        </p:spPr>
+      </p:pic>
+      <p:pic>
+        <p:nvPicPr>
+          <p:cNvPr id="7" name="図 6" descr="地図, テキスト が含まれている画像&#10;&#10;自動的に生成された説明">
+            <a:extLst>
+              <a:ext uri="{FF2B5EF4-FFF2-40B4-BE49-F238E27FC236}">
+                <a16:creationId xmlns:a16="http://schemas.microsoft.com/office/drawing/2014/main" id="{2F6A237C-37BF-4BB2-AA84-B6175D85A14C}"/>
+              </a:ext>
+            </a:extLst>
+          </p:cNvPr>
+          <p:cNvPicPr>
+            <a:picLocks noChangeAspect="1"/>
+          </p:cNvPicPr>
+          <p:nvPr/>
+        </p:nvPicPr>
+        <p:blipFill>
+          <a:blip r:embed="rId4">
+            <a:extLst>
+              <a:ext uri="{28A0092B-C50C-407E-A947-70E740481C1C}">
+                <a14:useLocalDpi xmlns:a14="http://schemas.microsoft.com/office/drawing/2010/main" val="0"/>
+              </a:ext>
+            </a:extLst>
+          </a:blip>
+          <a:stretch>
+            <a:fillRect/>
+          </a:stretch>
+        </p:blipFill>
+        <p:spPr>
+          <a:xfrm>
+            <a:off x="6426807" y="4596297"/>
+            <a:ext cx="2924183" cy="2193137"/>
+          </a:xfrm>
+          <a:prstGeom prst="rect">
+            <a:avLst/>
+          </a:prstGeom>
+        </p:spPr>
+      </p:pic>
     </p:spTree>
     <p:extLst>
       <p:ext uri="{BB962C8B-B14F-4D97-AF65-F5344CB8AC3E}">
